--- a/Doc/Prezentace-modelovani.pptx
+++ b/Doc/Prezentace-modelovani.pptx
@@ -260,7 +260,7 @@
           <a:p>
             <a:fld id="{8725CDB3-0518-4E68-B4FF-B948AD6ADE2B}" type="datetimeFigureOut">
               <a:rPr lang="cs-CZ" smtClean="0"/>
-              <a:t>05.12.2015</a:t>
+              <a:t>07.12.2015</a:t>
             </a:fld>
             <a:endParaRPr lang="cs-CZ"/>
           </a:p>
@@ -430,7 +430,7 @@
           <a:p>
             <a:fld id="{8725CDB3-0518-4E68-B4FF-B948AD6ADE2B}" type="datetimeFigureOut">
               <a:rPr lang="cs-CZ" smtClean="0"/>
-              <a:t>05.12.2015</a:t>
+              <a:t>07.12.2015</a:t>
             </a:fld>
             <a:endParaRPr lang="cs-CZ"/>
           </a:p>
@@ -610,7 +610,7 @@
           <a:p>
             <a:fld id="{8725CDB3-0518-4E68-B4FF-B948AD6ADE2B}" type="datetimeFigureOut">
               <a:rPr lang="cs-CZ" smtClean="0"/>
-              <a:t>05.12.2015</a:t>
+              <a:t>07.12.2015</a:t>
             </a:fld>
             <a:endParaRPr lang="cs-CZ"/>
           </a:p>
@@ -780,7 +780,7 @@
           <a:p>
             <a:fld id="{8725CDB3-0518-4E68-B4FF-B948AD6ADE2B}" type="datetimeFigureOut">
               <a:rPr lang="cs-CZ" smtClean="0"/>
-              <a:t>05.12.2015</a:t>
+              <a:t>07.12.2015</a:t>
             </a:fld>
             <a:endParaRPr lang="cs-CZ"/>
           </a:p>
@@ -1031,7 +1031,7 @@
           <a:p>
             <a:fld id="{8725CDB3-0518-4E68-B4FF-B948AD6ADE2B}" type="datetimeFigureOut">
               <a:rPr lang="cs-CZ" smtClean="0"/>
-              <a:t>05.12.2015</a:t>
+              <a:t>07.12.2015</a:t>
             </a:fld>
             <a:endParaRPr lang="cs-CZ"/>
           </a:p>
@@ -1263,7 +1263,7 @@
           <a:p>
             <a:fld id="{8725CDB3-0518-4E68-B4FF-B948AD6ADE2B}" type="datetimeFigureOut">
               <a:rPr lang="cs-CZ" smtClean="0"/>
-              <a:t>05.12.2015</a:t>
+              <a:t>07.12.2015</a:t>
             </a:fld>
             <a:endParaRPr lang="cs-CZ"/>
           </a:p>
@@ -1610,7 +1610,7 @@
           <a:p>
             <a:fld id="{8725CDB3-0518-4E68-B4FF-B948AD6ADE2B}" type="datetimeFigureOut">
               <a:rPr lang="cs-CZ" smtClean="0"/>
-              <a:t>05.12.2015</a:t>
+              <a:t>07.12.2015</a:t>
             </a:fld>
             <a:endParaRPr lang="cs-CZ"/>
           </a:p>
@@ -1728,7 +1728,7 @@
           <a:p>
             <a:fld id="{8725CDB3-0518-4E68-B4FF-B948AD6ADE2B}" type="datetimeFigureOut">
               <a:rPr lang="cs-CZ" smtClean="0"/>
-              <a:t>05.12.2015</a:t>
+              <a:t>07.12.2015</a:t>
             </a:fld>
             <a:endParaRPr lang="cs-CZ"/>
           </a:p>
@@ -1846,7 +1846,7 @@
           <a:p>
             <a:fld id="{8725CDB3-0518-4E68-B4FF-B948AD6ADE2B}" type="datetimeFigureOut">
               <a:rPr lang="cs-CZ" smtClean="0"/>
-              <a:t>05.12.2015</a:t>
+              <a:t>07.12.2015</a:t>
             </a:fld>
             <a:endParaRPr lang="cs-CZ"/>
           </a:p>
@@ -2130,7 +2130,7 @@
           <a:p>
             <a:fld id="{8725CDB3-0518-4E68-B4FF-B948AD6ADE2B}" type="datetimeFigureOut">
               <a:rPr lang="cs-CZ" smtClean="0"/>
-              <a:t>05.12.2015</a:t>
+              <a:t>07.12.2015</a:t>
             </a:fld>
             <a:endParaRPr lang="cs-CZ"/>
           </a:p>
@@ -2394,7 +2394,7 @@
           <a:p>
             <a:fld id="{8725CDB3-0518-4E68-B4FF-B948AD6ADE2B}" type="datetimeFigureOut">
               <a:rPr lang="cs-CZ" smtClean="0"/>
-              <a:t>05.12.2015</a:t>
+              <a:t>07.12.2015</a:t>
             </a:fld>
             <a:endParaRPr lang="cs-CZ"/>
           </a:p>
@@ -2608,7 +2608,7 @@
           <a:p>
             <a:fld id="{8725CDB3-0518-4E68-B4FF-B948AD6ADE2B}" type="datetimeFigureOut">
               <a:rPr lang="cs-CZ" smtClean="0"/>
-              <a:t>05.12.2015</a:t>
+              <a:t>07.12.2015</a:t>
             </a:fld>
             <a:endParaRPr lang="cs-CZ"/>
           </a:p>
@@ -3042,16 +3042,6 @@
               </a:rPr>
               <a:t>Modelování v Code First</a:t>
             </a:r>
-            <a:endParaRPr lang="cs-CZ" sz="2400" dirty="0" smtClean="0">
-              <a:solidFill>
-                <a:schemeClr val="tx1">
-                  <a:lumMod val="75000"/>
-                  <a:lumOff val="25000"/>
-                </a:schemeClr>
-              </a:solidFill>
-              <a:latin typeface="Segoe UI" panose="020B0502040204020203" pitchFamily="34" charset="0"/>
-              <a:cs typeface="Segoe UI" panose="020B0502040204020203" pitchFamily="34" charset="0"/>
-            </a:endParaRPr>
           </a:p>
           <a:p>
             <a:pPr algn="ctr">
@@ -3893,8 +3883,8 @@
         </p:blipFill>
         <p:spPr bwMode="auto">
           <a:xfrm>
-            <a:off x="1452856" y="3251978"/>
-            <a:ext cx="5819775" cy="2133601"/>
+            <a:off x="555097" y="3138681"/>
+            <a:ext cx="7863389" cy="2882815"/>
           </a:xfrm>
           <a:prstGeom prst="rect">
             <a:avLst/>
@@ -3919,7 +3909,7 @@
         </p:nvSpPr>
         <p:spPr>
           <a:xfrm>
-            <a:off x="1510550" y="2502532"/>
+            <a:off x="687589" y="2261462"/>
             <a:ext cx="1711494" cy="494431"/>
           </a:xfrm>
           <a:prstGeom prst="rect">
@@ -3945,10 +3935,6 @@
               </a:rPr>
               <a:t>POCO třídy</a:t>
             </a:r>
-            <a:endParaRPr lang="cs-CZ" sz="2400" dirty="0" smtClean="0">
-              <a:latin typeface="Segoe UI" panose="020B0502040204020203" pitchFamily="34" charset="0"/>
-              <a:cs typeface="Segoe UI" panose="020B0502040204020203" pitchFamily="34" charset="0"/>
-            </a:endParaRPr>
           </a:p>
         </p:txBody>
       </p:sp>
@@ -3960,7 +3946,7 @@
         </p:nvSpPr>
         <p:spPr>
           <a:xfrm>
-            <a:off x="3733284" y="2502532"/>
+            <a:off x="3907850" y="2261463"/>
             <a:ext cx="1953035" cy="494431"/>
           </a:xfrm>
           <a:prstGeom prst="rect">
@@ -3986,10 +3972,6 @@
               </a:rPr>
               <a:t>DB abstrakce</a:t>
             </a:r>
-            <a:endParaRPr lang="cs-CZ" sz="2400" dirty="0" smtClean="0">
-              <a:latin typeface="Segoe UI" panose="020B0502040204020203" pitchFamily="34" charset="0"/>
-              <a:cs typeface="Segoe UI" panose="020B0502040204020203" pitchFamily="34" charset="0"/>
-            </a:endParaRPr>
           </a:p>
         </p:txBody>
       </p:sp>
@@ -4001,7 +3983,7 @@
         </p:nvSpPr>
         <p:spPr>
           <a:xfrm>
-            <a:off x="6013184" y="2502532"/>
+            <a:off x="6802894" y="2261463"/>
             <a:ext cx="1259447" cy="494431"/>
           </a:xfrm>
           <a:prstGeom prst="rect">
@@ -4027,10 +4009,6 @@
               </a:rPr>
               <a:t>Úložiště</a:t>
             </a:r>
-            <a:endParaRPr lang="cs-CZ" sz="2400" dirty="0" smtClean="0">
-              <a:latin typeface="Segoe UI" panose="020B0502040204020203" pitchFamily="34" charset="0"/>
-              <a:cs typeface="Segoe UI" panose="020B0502040204020203" pitchFamily="34" charset="0"/>
-            </a:endParaRPr>
           </a:p>
         </p:txBody>
       </p:sp>
@@ -5012,10 +4990,6 @@
               </a:rPr>
               <a:t>(Atributy)</a:t>
             </a:r>
-            <a:endParaRPr lang="cs-CZ" sz="2400" dirty="0" smtClean="0">
-              <a:latin typeface="Segoe UI" panose="020B0502040204020203" pitchFamily="34" charset="0"/>
-              <a:cs typeface="Segoe UI" panose="020B0502040204020203" pitchFamily="34" charset="0"/>
-            </a:endParaRPr>
           </a:p>
         </p:txBody>
       </p:sp>
@@ -5053,10 +5027,6 @@
               </a:rPr>
               <a:t>Fluent API</a:t>
             </a:r>
-            <a:endParaRPr lang="cs-CZ" sz="2400" dirty="0" smtClean="0">
-              <a:latin typeface="Segoe UI" panose="020B0502040204020203" pitchFamily="34" charset="0"/>
-              <a:cs typeface="Segoe UI" panose="020B0502040204020203" pitchFamily="34" charset="0"/>
-            </a:endParaRPr>
           </a:p>
         </p:txBody>
       </p:sp>
@@ -5440,10 +5410,6 @@
               </a:rPr>
               <a:t>M:N</a:t>
             </a:r>
-            <a:endParaRPr lang="cs-CZ" sz="2400" dirty="0" smtClean="0">
-              <a:latin typeface="Segoe UI" panose="020B0502040204020203" pitchFamily="34" charset="0"/>
-              <a:cs typeface="Segoe UI" panose="020B0502040204020203" pitchFamily="34" charset="0"/>
-            </a:endParaRPr>
           </a:p>
         </p:txBody>
       </p:sp>
@@ -5481,10 +5447,6 @@
               </a:rPr>
               <a:t>1:0..1</a:t>
             </a:r>
-            <a:endParaRPr lang="cs-CZ" sz="2400" dirty="0" smtClean="0">
-              <a:latin typeface="Segoe UI" panose="020B0502040204020203" pitchFamily="34" charset="0"/>
-              <a:cs typeface="Segoe UI" panose="020B0502040204020203" pitchFamily="34" charset="0"/>
-            </a:endParaRPr>
           </a:p>
         </p:txBody>
       </p:sp>
@@ -5563,10 +5525,6 @@
               </a:rPr>
               <a:t>N:1</a:t>
             </a:r>
-            <a:endParaRPr lang="cs-CZ" sz="2400" dirty="0" smtClean="0">
-              <a:latin typeface="Segoe UI" panose="020B0502040204020203" pitchFamily="34" charset="0"/>
-              <a:cs typeface="Segoe UI" panose="020B0502040204020203" pitchFamily="34" charset="0"/>
-            </a:endParaRPr>
           </a:p>
         </p:txBody>
       </p:sp>
@@ -6018,10 +5976,6 @@
               </a:rPr>
               <a:t>TPH</a:t>
             </a:r>
-            <a:endParaRPr lang="cs-CZ" sz="2400" dirty="0" smtClean="0">
-              <a:latin typeface="Segoe UI" panose="020B0502040204020203" pitchFamily="34" charset="0"/>
-              <a:cs typeface="Segoe UI" panose="020B0502040204020203" pitchFamily="34" charset="0"/>
-            </a:endParaRPr>
           </a:p>
         </p:txBody>
       </p:sp>
@@ -6059,10 +6013,6 @@
               </a:rPr>
               <a:t>TPT</a:t>
             </a:r>
-            <a:endParaRPr lang="cs-CZ" sz="2400" dirty="0" smtClean="0">
-              <a:latin typeface="Segoe UI" panose="020B0502040204020203" pitchFamily="34" charset="0"/>
-              <a:cs typeface="Segoe UI" panose="020B0502040204020203" pitchFamily="34" charset="0"/>
-            </a:endParaRPr>
           </a:p>
         </p:txBody>
       </p:sp>
@@ -6100,10 +6050,6 @@
               </a:rPr>
               <a:t>TPC</a:t>
             </a:r>
-            <a:endParaRPr lang="cs-CZ" sz="2400" dirty="0" smtClean="0">
-              <a:latin typeface="Segoe UI" panose="020B0502040204020203" pitchFamily="34" charset="0"/>
-              <a:cs typeface="Segoe UI" panose="020B0502040204020203" pitchFamily="34" charset="0"/>
-            </a:endParaRPr>
           </a:p>
         </p:txBody>
       </p:sp>
@@ -6195,15 +6141,6 @@
               </a:rPr>
               <a:t>DEMO</a:t>
             </a:r>
-            <a:endParaRPr lang="cs-CZ" sz="6000" dirty="0" smtClean="0">
-              <a:solidFill>
-                <a:schemeClr val="accent1">
-                  <a:lumMod val="75000"/>
-                </a:schemeClr>
-              </a:solidFill>
-              <a:latin typeface="Segoe UI Light" panose="020B0502040204020203" pitchFamily="34" charset="0"/>
-              <a:cs typeface="Segoe UI Light" panose="020B0502040204020203" pitchFamily="34" charset="0"/>
-            </a:endParaRPr>
           </a:p>
         </p:txBody>
       </p:sp>
